--- a/plots/Fig9 densification.pptx
+++ b/plots/Fig9 densification.pptx
@@ -197,7 +197,7 @@
           <a:p>
             <a:fld id="{7FBD6D00-5174-A449-9D44-84A3CC40E9AF}" type="datetimeFigureOut">
               <a:rPr lang="en-US" smtClean="0"/>
-              <a:t>6/26/24</a:t>
+              <a:t>11/6/24</a:t>
             </a:fld>
             <a:endParaRPr lang="en-US"/>
           </a:p>
@@ -685,7 +685,7 @@
           <a:p>
             <a:fld id="{A2BAE022-C88F-2B41-9F90-7F832352A141}" type="datetimeFigureOut">
               <a:rPr lang="en-US" smtClean="0"/>
-              <a:t>6/26/24</a:t>
+              <a:t>11/6/24</a:t>
             </a:fld>
             <a:endParaRPr lang="en-US"/>
           </a:p>
@@ -855,7 +855,7 @@
           <a:p>
             <a:fld id="{A2BAE022-C88F-2B41-9F90-7F832352A141}" type="datetimeFigureOut">
               <a:rPr lang="en-US" smtClean="0"/>
-              <a:t>6/26/24</a:t>
+              <a:t>11/6/24</a:t>
             </a:fld>
             <a:endParaRPr lang="en-US"/>
           </a:p>
@@ -1035,7 +1035,7 @@
           <a:p>
             <a:fld id="{A2BAE022-C88F-2B41-9F90-7F832352A141}" type="datetimeFigureOut">
               <a:rPr lang="en-US" smtClean="0"/>
-              <a:t>6/26/24</a:t>
+              <a:t>11/6/24</a:t>
             </a:fld>
             <a:endParaRPr lang="en-US"/>
           </a:p>
@@ -1205,7 +1205,7 @@
           <a:p>
             <a:fld id="{A2BAE022-C88F-2B41-9F90-7F832352A141}" type="datetimeFigureOut">
               <a:rPr lang="en-US" smtClean="0"/>
-              <a:t>6/26/24</a:t>
+              <a:t>11/6/24</a:t>
             </a:fld>
             <a:endParaRPr lang="en-US"/>
           </a:p>
@@ -1449,7 +1449,7 @@
           <a:p>
             <a:fld id="{A2BAE022-C88F-2B41-9F90-7F832352A141}" type="datetimeFigureOut">
               <a:rPr lang="en-US" smtClean="0"/>
-              <a:t>6/26/24</a:t>
+              <a:t>11/6/24</a:t>
             </a:fld>
             <a:endParaRPr lang="en-US"/>
           </a:p>
@@ -1681,7 +1681,7 @@
           <a:p>
             <a:fld id="{A2BAE022-C88F-2B41-9F90-7F832352A141}" type="datetimeFigureOut">
               <a:rPr lang="en-US" smtClean="0"/>
-              <a:t>6/26/24</a:t>
+              <a:t>11/6/24</a:t>
             </a:fld>
             <a:endParaRPr lang="en-US"/>
           </a:p>
@@ -2048,7 +2048,7 @@
           <a:p>
             <a:fld id="{A2BAE022-C88F-2B41-9F90-7F832352A141}" type="datetimeFigureOut">
               <a:rPr lang="en-US" smtClean="0"/>
-              <a:t>6/26/24</a:t>
+              <a:t>11/6/24</a:t>
             </a:fld>
             <a:endParaRPr lang="en-US"/>
           </a:p>
@@ -2166,7 +2166,7 @@
           <a:p>
             <a:fld id="{A2BAE022-C88F-2B41-9F90-7F832352A141}" type="datetimeFigureOut">
               <a:rPr lang="en-US" smtClean="0"/>
-              <a:t>6/26/24</a:t>
+              <a:t>11/6/24</a:t>
             </a:fld>
             <a:endParaRPr lang="en-US"/>
           </a:p>
@@ -2261,7 +2261,7 @@
           <a:p>
             <a:fld id="{A2BAE022-C88F-2B41-9F90-7F832352A141}" type="datetimeFigureOut">
               <a:rPr lang="en-US" smtClean="0"/>
-              <a:t>6/26/24</a:t>
+              <a:t>11/6/24</a:t>
             </a:fld>
             <a:endParaRPr lang="en-US"/>
           </a:p>
@@ -2538,7 +2538,7 @@
           <a:p>
             <a:fld id="{A2BAE022-C88F-2B41-9F90-7F832352A141}" type="datetimeFigureOut">
               <a:rPr lang="en-US" smtClean="0"/>
-              <a:t>6/26/24</a:t>
+              <a:t>11/6/24</a:t>
             </a:fld>
             <a:endParaRPr lang="en-US"/>
           </a:p>
@@ -2795,7 +2795,7 @@
           <a:p>
             <a:fld id="{A2BAE022-C88F-2B41-9F90-7F832352A141}" type="datetimeFigureOut">
               <a:rPr lang="en-US" smtClean="0"/>
-              <a:t>6/26/24</a:t>
+              <a:t>11/6/24</a:t>
             </a:fld>
             <a:endParaRPr lang="en-US"/>
           </a:p>
@@ -3008,7 +3008,7 @@
           <a:p>
             <a:fld id="{A2BAE022-C88F-2B41-9F90-7F832352A141}" type="datetimeFigureOut">
               <a:rPr lang="en-US" smtClean="0"/>
-              <a:t>6/26/24</a:t>
+              <a:t>11/6/24</a:t>
             </a:fld>
             <a:endParaRPr lang="en-US"/>
           </a:p>
@@ -3427,10 +3427,10 @@
         </p:nvGrpSpPr>
         <p:grpSpPr>
           <a:xfrm>
-            <a:off x="520903" y="834602"/>
-            <a:ext cx="14547492" cy="4902471"/>
-            <a:chOff x="741767" y="652515"/>
-            <a:chExt cx="14547492" cy="4902471"/>
+            <a:off x="520903" y="618759"/>
+            <a:ext cx="14547492" cy="5118314"/>
+            <a:chOff x="741767" y="436672"/>
+            <a:chExt cx="14547492" cy="5118314"/>
           </a:xfrm>
         </p:grpSpPr>
         <p:grpSp>
@@ -3447,10 +3447,10 @@
           </p:nvGrpSpPr>
           <p:grpSpPr>
             <a:xfrm>
-              <a:off x="7270483" y="658019"/>
-              <a:ext cx="8018776" cy="4896967"/>
-              <a:chOff x="6325438" y="1133885"/>
-              <a:chExt cx="8018776" cy="4896967"/>
+              <a:off x="7270483" y="436672"/>
+              <a:ext cx="8018776" cy="5118314"/>
+              <a:chOff x="6325438" y="912538"/>
+              <a:chExt cx="8018776" cy="5118314"/>
             </a:xfrm>
           </p:grpSpPr>
           <p:sp>
@@ -3469,8 +3469,8 @@
             </p:nvSpPr>
             <p:spPr>
               <a:xfrm>
-                <a:off x="9171687" y="1133885"/>
-                <a:ext cx="2326278" cy="369332"/>
+                <a:off x="8490876" y="912538"/>
+                <a:ext cx="3712876" cy="553998"/>
               </a:xfrm>
               <a:prstGeom prst="rect">
                 <a:avLst/>
@@ -3484,21 +3484,21 @@
               <a:lstStyle/>
               <a:p>
                 <a:r>
-                  <a:rPr lang="en-US" b="1" dirty="0">
+                  <a:rPr lang="en-US" sz="3000" b="1" dirty="0">
                     <a:latin typeface="Helvetica" pitchFamily="2" charset="0"/>
                     <a:cs typeface="Times New Roman" panose="02020603050405020304" pitchFamily="18" charset="0"/>
                   </a:rPr>
-                  <a:t>B. </a:t>
+                  <a:t>b. </a:t>
                 </a:r>
                 <a:r>
-                  <a:rPr lang="en-US" b="1" dirty="0" err="1">
+                  <a:rPr lang="en-US" sz="3000" b="1" dirty="0" err="1">
                     <a:latin typeface="Helvetica" pitchFamily="2" charset="0"/>
                     <a:cs typeface="Times New Roman" panose="02020603050405020304" pitchFamily="18" charset="0"/>
                   </a:rPr>
                   <a:t>curated_data</a:t>
                 </a:r>
                 <a:r>
-                  <a:rPr lang="en-US" b="1" dirty="0">
+                  <a:rPr lang="en-US" sz="3000" b="1" dirty="0">
                     <a:latin typeface="Helvetica" pitchFamily="2" charset="0"/>
                     <a:cs typeface="Times New Roman" panose="02020603050405020304" pitchFamily="18" charset="0"/>
                   </a:rPr>
@@ -5685,10 +5685,10 @@
           </p:nvGrpSpPr>
           <p:grpSpPr>
             <a:xfrm>
-              <a:off x="741767" y="652515"/>
-              <a:ext cx="6221195" cy="4888470"/>
-              <a:chOff x="7600006" y="1142382"/>
-              <a:chExt cx="6221195" cy="4888470"/>
+              <a:off x="741767" y="436672"/>
+              <a:ext cx="6221195" cy="5104313"/>
+              <a:chOff x="7600006" y="926539"/>
+              <a:chExt cx="6221195" cy="5104313"/>
             </a:xfrm>
           </p:grpSpPr>
           <p:sp>
@@ -5707,8 +5707,8 @@
             </p:nvSpPr>
             <p:spPr>
               <a:xfrm>
-                <a:off x="9717657" y="1142382"/>
-                <a:ext cx="2390398" cy="369332"/>
+                <a:off x="8949756" y="926539"/>
+                <a:ext cx="3796232" cy="553998"/>
               </a:xfrm>
               <a:prstGeom prst="rect">
                 <a:avLst/>
@@ -5722,21 +5722,21 @@
               <a:lstStyle/>
               <a:p>
                 <a:r>
-                  <a:rPr lang="en-US" b="1" dirty="0">
+                  <a:rPr lang="en-US" sz="3000" b="1" dirty="0">
                     <a:latin typeface="Helvetica" pitchFamily="2" charset="0"/>
                     <a:cs typeface="Times New Roman" panose="02020603050405020304" pitchFamily="18" charset="0"/>
                   </a:rPr>
-                  <a:t>A. </a:t>
+                  <a:t>a. </a:t>
                 </a:r>
                 <a:r>
-                  <a:rPr lang="en-US" b="1" dirty="0" err="1">
+                  <a:rPr lang="en-US" sz="3000" b="1" dirty="0" err="1">
                     <a:latin typeface="Helvetica" pitchFamily="2" charset="0"/>
                     <a:cs typeface="Times New Roman" panose="02020603050405020304" pitchFamily="18" charset="0"/>
                   </a:rPr>
                   <a:t>curated_data</a:t>
                 </a:r>
                 <a:r>
-                  <a:rPr lang="en-US" b="1" dirty="0">
+                  <a:rPr lang="en-US" sz="3000" b="1" dirty="0">
                     <a:latin typeface="Helvetica" pitchFamily="2" charset="0"/>
                     <a:cs typeface="Times New Roman" panose="02020603050405020304" pitchFamily="18" charset="0"/>
                   </a:rPr>
@@ -8332,10 +8332,10 @@
         </p:nvGrpSpPr>
         <p:grpSpPr>
           <a:xfrm>
-            <a:off x="3963502" y="6047426"/>
-            <a:ext cx="8018776" cy="8143639"/>
-            <a:chOff x="3963502" y="6047426"/>
-            <a:chExt cx="8018776" cy="8143639"/>
+            <a:off x="3963502" y="6117698"/>
+            <a:ext cx="8018776" cy="8463773"/>
+            <a:chOff x="3963502" y="5727292"/>
+            <a:chExt cx="8018776" cy="8463773"/>
           </a:xfrm>
         </p:grpSpPr>
         <p:grpSp>
@@ -8352,10 +8352,10 @@
           </p:nvGrpSpPr>
           <p:grpSpPr>
             <a:xfrm>
-              <a:off x="3963502" y="6047426"/>
-              <a:ext cx="8018776" cy="8143639"/>
-              <a:chOff x="4022440" y="6549146"/>
-              <a:chExt cx="8018776" cy="8143639"/>
+              <a:off x="3963502" y="5727292"/>
+              <a:ext cx="8018776" cy="8463773"/>
+              <a:chOff x="4022440" y="6229012"/>
+              <a:chExt cx="8018776" cy="8463773"/>
             </a:xfrm>
           </p:grpSpPr>
           <p:grpSp>
@@ -8372,10 +8372,10 @@
             </p:nvGrpSpPr>
             <p:grpSpPr>
               <a:xfrm>
-                <a:off x="4022440" y="6549146"/>
-                <a:ext cx="8018776" cy="8143639"/>
-                <a:chOff x="4050555" y="6686520"/>
-                <a:chExt cx="8018776" cy="8143639"/>
+                <a:off x="4022440" y="6229012"/>
+                <a:ext cx="8018776" cy="8463773"/>
+                <a:chOff x="4050555" y="6366386"/>
+                <a:chExt cx="8018776" cy="8463773"/>
               </a:xfrm>
             </p:grpSpPr>
             <p:sp>
@@ -8485,10 +8485,10 @@
               </p:nvGrpSpPr>
               <p:grpSpPr>
                 <a:xfrm>
-                  <a:off x="4050555" y="6686520"/>
-                  <a:ext cx="8018776" cy="8143639"/>
-                  <a:chOff x="4050555" y="6686520"/>
-                  <a:chExt cx="8018776" cy="8143639"/>
+                  <a:off x="4050555" y="6366386"/>
+                  <a:ext cx="8018776" cy="8463773"/>
+                  <a:chOff x="4050555" y="6366386"/>
+                  <a:chExt cx="8018776" cy="8463773"/>
                 </a:xfrm>
               </p:grpSpPr>
               <p:grpSp>
@@ -8505,10 +8505,10 @@
                 </p:nvGrpSpPr>
                 <p:grpSpPr>
                   <a:xfrm>
-                    <a:off x="4050555" y="6686520"/>
-                    <a:ext cx="8018776" cy="8143639"/>
-                    <a:chOff x="3838029" y="6665123"/>
-                    <a:chExt cx="8018776" cy="8143639"/>
+                    <a:off x="4050555" y="6366386"/>
+                    <a:ext cx="8018776" cy="8463773"/>
+                    <a:chOff x="3838029" y="6344989"/>
+                    <a:chExt cx="8018776" cy="8463773"/>
                   </a:xfrm>
                 </p:grpSpPr>
                 <p:grpSp>
@@ -8525,10 +8525,10 @@
                   </p:nvGrpSpPr>
                   <p:grpSpPr>
                     <a:xfrm>
-                      <a:off x="3838029" y="6665123"/>
-                      <a:ext cx="8018776" cy="5738994"/>
-                      <a:chOff x="4187877" y="6360991"/>
-                      <a:chExt cx="8018776" cy="5738994"/>
+                      <a:off x="3838029" y="6344989"/>
+                      <a:ext cx="8018776" cy="6059128"/>
+                      <a:chOff x="4187877" y="6040857"/>
+                      <a:chExt cx="8018776" cy="6059128"/>
                     </a:xfrm>
                   </p:grpSpPr>
                   <p:grpSp>
@@ -8545,10 +8545,10 @@
                     </p:nvGrpSpPr>
                     <p:grpSpPr>
                       <a:xfrm>
-                        <a:off x="4187877" y="6360991"/>
-                        <a:ext cx="8018776" cy="5738994"/>
-                        <a:chOff x="4187877" y="6360991"/>
-                        <a:chExt cx="8018776" cy="5738994"/>
+                        <a:off x="4187877" y="6040857"/>
+                        <a:ext cx="8018776" cy="6059128"/>
+                        <a:chOff x="4187877" y="6040857"/>
+                        <a:chExt cx="8018776" cy="6059128"/>
                       </a:xfrm>
                     </p:grpSpPr>
                     <p:grpSp>
@@ -8565,10 +8565,10 @@
                       </p:nvGrpSpPr>
                       <p:grpSpPr>
                         <a:xfrm>
-                          <a:off x="4187877" y="6360991"/>
-                          <a:ext cx="8018776" cy="4957214"/>
-                          <a:chOff x="4199446" y="7151975"/>
-                          <a:chExt cx="8018776" cy="4957214"/>
+                          <a:off x="4187877" y="6040857"/>
+                          <a:ext cx="8018776" cy="5277348"/>
+                          <a:chOff x="4199446" y="6831841"/>
+                          <a:chExt cx="8018776" cy="5277348"/>
                         </a:xfrm>
                       </p:grpSpPr>
                       <p:grpSp>
@@ -8585,10 +8585,10 @@
                         </p:nvGrpSpPr>
                         <p:grpSpPr>
                           <a:xfrm>
-                            <a:off x="4199446" y="7151975"/>
-                            <a:ext cx="8018776" cy="4957214"/>
-                            <a:chOff x="6322455" y="1230881"/>
-                            <a:chExt cx="8018776" cy="4957214"/>
+                            <a:off x="4199446" y="6831841"/>
+                            <a:ext cx="8018776" cy="5277348"/>
+                            <a:chOff x="6322455" y="910747"/>
+                            <a:chExt cx="8018776" cy="5277348"/>
                           </a:xfrm>
                         </p:grpSpPr>
                         <p:sp>
@@ -8607,8 +8607,8 @@
                           </p:nvSpPr>
                           <p:spPr>
                             <a:xfrm>
-                              <a:off x="9170774" y="1230881"/>
-                              <a:ext cx="2326278" cy="369332"/>
+                              <a:off x="8516770" y="910747"/>
+                              <a:ext cx="3690434" cy="553998"/>
                             </a:xfrm>
                             <a:prstGeom prst="rect">
                               <a:avLst/>
@@ -8622,21 +8622,21 @@
                             <a:lstStyle/>
                             <a:p>
                               <a:r>
-                                <a:rPr lang="en-US" b="1" dirty="0">
+                                <a:rPr lang="en-US" sz="3000" b="1" dirty="0">
                                   <a:latin typeface="Helvetica" pitchFamily="2" charset="0"/>
                                   <a:cs typeface="Times New Roman" panose="02020603050405020304" pitchFamily="18" charset="0"/>
                                 </a:rPr>
-                                <a:t>C. </a:t>
+                                <a:t>c. </a:t>
                               </a:r>
                               <a:r>
-                                <a:rPr lang="en-US" b="1" dirty="0" err="1">
+                                <a:rPr lang="en-US" sz="3000" b="1" dirty="0" err="1">
                                   <a:latin typeface="Helvetica" pitchFamily="2" charset="0"/>
                                   <a:cs typeface="Times New Roman" panose="02020603050405020304" pitchFamily="18" charset="0"/>
                                 </a:rPr>
                                 <a:t>curated_data</a:t>
                               </a:r>
                               <a:r>
-                                <a:rPr lang="en-US" b="1" dirty="0">
+                                <a:rPr lang="en-US" sz="3000" b="1" dirty="0">
                                   <a:latin typeface="Helvetica" pitchFamily="2" charset="0"/>
                                   <a:cs typeface="Times New Roman" panose="02020603050405020304" pitchFamily="18" charset="0"/>
                                 </a:rPr>

--- a/plots/Fig9 densification.pptx
+++ b/plots/Fig9 densification.pptx
@@ -197,7 +197,7 @@
           <a:p>
             <a:fld id="{7FBD6D00-5174-A449-9D44-84A3CC40E9AF}" type="datetimeFigureOut">
               <a:rPr lang="en-US" smtClean="0"/>
-              <a:t>11/13/24</a:t>
+              <a:t>1/6/25</a:t>
             </a:fld>
             <a:endParaRPr lang="en-US"/>
           </a:p>
@@ -685,7 +685,7 @@
           <a:p>
             <a:fld id="{A2BAE022-C88F-2B41-9F90-7F832352A141}" type="datetimeFigureOut">
               <a:rPr lang="en-US" smtClean="0"/>
-              <a:t>11/13/24</a:t>
+              <a:t>1/6/25</a:t>
             </a:fld>
             <a:endParaRPr lang="en-US"/>
           </a:p>
@@ -855,7 +855,7 @@
           <a:p>
             <a:fld id="{A2BAE022-C88F-2B41-9F90-7F832352A141}" type="datetimeFigureOut">
               <a:rPr lang="en-US" smtClean="0"/>
-              <a:t>11/13/24</a:t>
+              <a:t>1/6/25</a:t>
             </a:fld>
             <a:endParaRPr lang="en-US"/>
           </a:p>
@@ -1035,7 +1035,7 @@
           <a:p>
             <a:fld id="{A2BAE022-C88F-2B41-9F90-7F832352A141}" type="datetimeFigureOut">
               <a:rPr lang="en-US" smtClean="0"/>
-              <a:t>11/13/24</a:t>
+              <a:t>1/6/25</a:t>
             </a:fld>
             <a:endParaRPr lang="en-US"/>
           </a:p>
@@ -1205,7 +1205,7 @@
           <a:p>
             <a:fld id="{A2BAE022-C88F-2B41-9F90-7F832352A141}" type="datetimeFigureOut">
               <a:rPr lang="en-US" smtClean="0"/>
-              <a:t>11/13/24</a:t>
+              <a:t>1/6/25</a:t>
             </a:fld>
             <a:endParaRPr lang="en-US"/>
           </a:p>
@@ -1449,7 +1449,7 @@
           <a:p>
             <a:fld id="{A2BAE022-C88F-2B41-9F90-7F832352A141}" type="datetimeFigureOut">
               <a:rPr lang="en-US" smtClean="0"/>
-              <a:t>11/13/24</a:t>
+              <a:t>1/6/25</a:t>
             </a:fld>
             <a:endParaRPr lang="en-US"/>
           </a:p>
@@ -1681,7 +1681,7 @@
           <a:p>
             <a:fld id="{A2BAE022-C88F-2B41-9F90-7F832352A141}" type="datetimeFigureOut">
               <a:rPr lang="en-US" smtClean="0"/>
-              <a:t>11/13/24</a:t>
+              <a:t>1/6/25</a:t>
             </a:fld>
             <a:endParaRPr lang="en-US"/>
           </a:p>
@@ -2048,7 +2048,7 @@
           <a:p>
             <a:fld id="{A2BAE022-C88F-2B41-9F90-7F832352A141}" type="datetimeFigureOut">
               <a:rPr lang="en-US" smtClean="0"/>
-              <a:t>11/13/24</a:t>
+              <a:t>1/6/25</a:t>
             </a:fld>
             <a:endParaRPr lang="en-US"/>
           </a:p>
@@ -2166,7 +2166,7 @@
           <a:p>
             <a:fld id="{A2BAE022-C88F-2B41-9F90-7F832352A141}" type="datetimeFigureOut">
               <a:rPr lang="en-US" smtClean="0"/>
-              <a:t>11/13/24</a:t>
+              <a:t>1/6/25</a:t>
             </a:fld>
             <a:endParaRPr lang="en-US"/>
           </a:p>
@@ -2261,7 +2261,7 @@
           <a:p>
             <a:fld id="{A2BAE022-C88F-2B41-9F90-7F832352A141}" type="datetimeFigureOut">
               <a:rPr lang="en-US" smtClean="0"/>
-              <a:t>11/13/24</a:t>
+              <a:t>1/6/25</a:t>
             </a:fld>
             <a:endParaRPr lang="en-US"/>
           </a:p>
@@ -2538,7 +2538,7 @@
           <a:p>
             <a:fld id="{A2BAE022-C88F-2B41-9F90-7F832352A141}" type="datetimeFigureOut">
               <a:rPr lang="en-US" smtClean="0"/>
-              <a:t>11/13/24</a:t>
+              <a:t>1/6/25</a:t>
             </a:fld>
             <a:endParaRPr lang="en-US"/>
           </a:p>
@@ -2795,7 +2795,7 @@
           <a:p>
             <a:fld id="{A2BAE022-C88F-2B41-9F90-7F832352A141}" type="datetimeFigureOut">
               <a:rPr lang="en-US" smtClean="0"/>
-              <a:t>11/13/24</a:t>
+              <a:t>1/6/25</a:t>
             </a:fld>
             <a:endParaRPr lang="en-US"/>
           </a:p>
@@ -3008,7 +3008,7 @@
           <a:p>
             <a:fld id="{A2BAE022-C88F-2B41-9F90-7F832352A141}" type="datetimeFigureOut">
               <a:rPr lang="en-US" smtClean="0"/>
-              <a:t>11/13/24</a:t>
+              <a:t>1/6/25</a:t>
             </a:fld>
             <a:endParaRPr lang="en-US"/>
           </a:p>
@@ -7276,7 +7276,7 @@
                     <p:spPr>
                       <a:xfrm flipH="1" flipV="1">
                         <a:off x="8944573" y="14243082"/>
-                        <a:ext cx="2716" cy="227125"/>
+                        <a:ext cx="1297" cy="227125"/>
                       </a:xfrm>
                       <a:prstGeom prst="straightConnector1">
                         <a:avLst/>
@@ -7323,8 +7323,8 @@
                     </p:nvSpPr>
                     <p:spPr>
                       <a:xfrm>
-                        <a:off x="8174792" y="14470207"/>
-                        <a:ext cx="1544993" cy="338554"/>
+                        <a:off x="8170200" y="14470207"/>
+                        <a:ext cx="1551340" cy="338554"/>
                       </a:xfrm>
                       <a:prstGeom prst="rect">
                         <a:avLst/>
@@ -7968,8 +7968,8 @@
                   </p:nvCxnSpPr>
                   <p:spPr>
                     <a:xfrm flipV="1">
-                      <a:off x="10905668" y="14264478"/>
-                      <a:ext cx="2718" cy="227125"/>
+                      <a:off x="10907931" y="14264478"/>
+                      <a:ext cx="455" cy="227125"/>
                     </a:xfrm>
                     <a:prstGeom prst="straightConnector1">
                       <a:avLst/>
@@ -8016,8 +8016,8 @@
                   </p:nvSpPr>
                   <p:spPr>
                     <a:xfrm>
-                      <a:off x="10133171" y="14491603"/>
-                      <a:ext cx="1544993" cy="338554"/>
+                      <a:off x="10132261" y="14491603"/>
+                      <a:ext cx="1551340" cy="338554"/>
                     </a:xfrm>
                     <a:prstGeom prst="rect">
                       <a:avLst/>
@@ -8277,7 +8277,7 @@
             </p:nvSpPr>
             <p:spPr>
               <a:xfrm>
-                <a:off x="5505703" y="12368983"/>
+                <a:off x="5514712" y="12435694"/>
                 <a:ext cx="1409280" cy="584775"/>
               </a:xfrm>
               <a:prstGeom prst="rect">
@@ -8382,8 +8382,8 @@
             </p:nvSpPr>
             <p:spPr>
               <a:xfrm>
-                <a:off x="9520939" y="12358129"/>
-                <a:ext cx="1333622" cy="584775"/>
+                <a:off x="9458822" y="12435694"/>
+                <a:ext cx="1395739" cy="584775"/>
               </a:xfrm>
               <a:prstGeom prst="rect">
                 <a:avLst/>
@@ -8715,9 +8715,9 @@
         <p:grpSpPr>
           <a:xfrm>
             <a:off x="35764" y="96013"/>
-            <a:ext cx="15293470" cy="4525334"/>
+            <a:ext cx="15350134" cy="4525334"/>
             <a:chOff x="64339" y="1197738"/>
-            <a:chExt cx="15293470" cy="4525334"/>
+            <a:chExt cx="15350134" cy="4525334"/>
           </a:xfrm>
         </p:grpSpPr>
         <p:grpSp>
@@ -12737,7 +12737,7 @@
           <p:spPr>
             <a:xfrm>
               <a:off x="5264488" y="3118030"/>
-              <a:ext cx="1360835" cy="584775"/>
+              <a:ext cx="1415556" cy="584775"/>
             </a:xfrm>
             <a:prstGeom prst="rect">
               <a:avLst/>
@@ -12919,8 +12919,8 @@
           </p:nvSpPr>
           <p:spPr>
             <a:xfrm>
-              <a:off x="13939578" y="3095632"/>
-              <a:ext cx="1325664" cy="584775"/>
+              <a:off x="13939577" y="3095632"/>
+              <a:ext cx="1474896" cy="584775"/>
             </a:xfrm>
             <a:prstGeom prst="rect">
               <a:avLst/>
